--- a/architecture.pptx
+++ b/architecture.pptx
@@ -104,6 +104,11 @@
       </a:defRPr>
     </a:lvl9pPr>
   </p:defaultTextStyle>
+  <p:extLst>
+    <p:ext uri="{EFAFB233-063F-42B5-8137-9DF3F51BA10A}">
+      <p15:sldGuideLst xmlns:p15="http://schemas.microsoft.com/office/powerpoint/2012/main"/>
+    </p:ext>
+  </p:extLst>
 </p:presentation>
 </file>
 
@@ -5337,10 +5342,10 @@
         </p:nvGrpSpPr>
         <p:grpSpPr>
           <a:xfrm>
-            <a:off x="6057347" y="3522174"/>
-            <a:ext cx="969004" cy="1093278"/>
-            <a:chOff x="5723681" y="2784807"/>
-            <a:chExt cx="1397479" cy="1576706"/>
+            <a:off x="6057346" y="3522174"/>
+            <a:ext cx="3129785" cy="2792362"/>
+            <a:chOff x="5723680" y="2784807"/>
+            <a:chExt cx="4513716" cy="4027095"/>
           </a:xfrm>
         </p:grpSpPr>
         <p:sp>
@@ -5351,8 +5356,8 @@
           </p:nvSpPr>
           <p:spPr>
             <a:xfrm>
-              <a:off x="5723681" y="2784807"/>
-              <a:ext cx="1397479" cy="1576706"/>
+              <a:off x="5723680" y="2784807"/>
+              <a:ext cx="4513716" cy="4027095"/>
             </a:xfrm>
             <a:prstGeom prst="rect">
               <a:avLst/>
@@ -5810,7 +5815,7 @@
         </p:nvGrpSpPr>
         <p:grpSpPr>
           <a:xfrm>
-            <a:off x="7445193" y="3446700"/>
+            <a:off x="9903722" y="3878125"/>
             <a:ext cx="969004" cy="1244227"/>
             <a:chOff x="8959850" y="1457756"/>
             <a:chExt cx="1397479" cy="1794401"/>
@@ -5857,7 +5862,7 @@
                     <a:schemeClr val="tx1"/>
                   </a:solidFill>
                 </a:rPr>
-                <a:t>Append Blobs</a:t>
+                <a:t>Long-term storage</a:t>
               </a:r>
               <a:endParaRPr lang="de-DE" sz="1200" dirty="0">
                 <a:solidFill>
@@ -7597,7 +7602,7 @@
         <p:spPr>
           <a:xfrm flipH="1" flipV="1">
             <a:off x="5371461" y="3347248"/>
-            <a:ext cx="685886" cy="721565"/>
+            <a:ext cx="685885" cy="1571107"/>
           </a:xfrm>
           <a:prstGeom prst="straightConnector1">
             <a:avLst/>
@@ -7625,15 +7630,15 @@
         <p:nvCxnSpPr>
           <p:cNvPr id="134" name="Straight Arrow Connector 133"/>
           <p:cNvCxnSpPr>
-            <a:stCxn id="100" idx="3"/>
+            <a:stCxn id="7" idx="5"/>
             <a:endCxn id="117" idx="1"/>
           </p:cNvCxnSpPr>
           <p:nvPr/>
         </p:nvCxnSpPr>
         <p:spPr>
           <a:xfrm>
-            <a:off x="7026350" y="4068814"/>
-            <a:ext cx="418843" cy="1"/>
+            <a:off x="8772640" y="4092070"/>
+            <a:ext cx="1131082" cy="408169"/>
           </a:xfrm>
           <a:prstGeom prst="straightConnector1">
             <a:avLst/>
@@ -8915,636 +8920,6 @@
           </a:fontRef>
         </p:style>
       </p:cxnSp>
-      <p:grpSp>
-        <p:nvGrpSpPr>
-          <p:cNvPr id="18" name="Group 17"/>
-          <p:cNvGrpSpPr/>
-          <p:nvPr/>
-        </p:nvGrpSpPr>
-        <p:grpSpPr>
-          <a:xfrm>
-            <a:off x="9570971" y="5165325"/>
-            <a:ext cx="1195959" cy="1244227"/>
-            <a:chOff x="9489619" y="2641187"/>
-            <a:chExt cx="1195959" cy="1244227"/>
-          </a:xfrm>
-        </p:grpSpPr>
-        <p:sp>
-          <p:nvSpPr>
-            <p:cNvPr id="84" name="Rectangle 83"/>
-            <p:cNvSpPr/>
-            <p:nvPr/>
-          </p:nvSpPr>
-          <p:spPr>
-            <a:xfrm>
-              <a:off x="9489619" y="2641187"/>
-              <a:ext cx="1195959" cy="1244227"/>
-            </a:xfrm>
-            <a:prstGeom prst="rect">
-              <a:avLst/>
-            </a:prstGeom>
-            <a:solidFill>
-              <a:srgbClr val="D7D7D7"/>
-            </a:solidFill>
-            <a:ln w="38100">
-              <a:solidFill>
-                <a:srgbClr val="3398DB"/>
-              </a:solidFill>
-              <a:miter lim="800000"/>
-              <a:headEnd/>
-              <a:tailEnd/>
-            </a:ln>
-          </p:spPr>
-          <p:txBody>
-            <a:bodyPr vert="horz" wrap="square" lIns="91440" tIns="45720" rIns="91440" bIns="45720" numCol="1" anchor="b" anchorCtr="0" compatLnSpc="1">
-              <a:prstTxWarp prst="textNoShape">
-                <a:avLst/>
-              </a:prstTxWarp>
-            </a:bodyPr>
-            <a:lstStyle/>
-            <a:p>
-              <a:pPr algn="ctr"/>
-              <a:r>
-                <a:rPr lang="en-US" sz="1200" dirty="0" err="1">
-                  <a:solidFill>
-                    <a:schemeClr val="tx1"/>
-                  </a:solidFill>
-                </a:rPr>
-                <a:t>ElasticSearch</a:t>
-              </a:r>
-              <a:endParaRPr lang="de-DE" sz="1200" dirty="0">
-                <a:solidFill>
-                  <a:schemeClr val="tx1"/>
-                </a:solidFill>
-              </a:endParaRPr>
-            </a:p>
-          </p:txBody>
-        </p:sp>
-        <p:grpSp>
-          <p:nvGrpSpPr>
-            <p:cNvPr id="8" name="Group 4"/>
-            <p:cNvGrpSpPr>
-              <a:grpSpLocks noChangeAspect="1"/>
-            </p:cNvGrpSpPr>
-            <p:nvPr/>
-          </p:nvGrpSpPr>
-          <p:grpSpPr bwMode="auto">
-            <a:xfrm>
-              <a:off x="9715408" y="2944116"/>
-              <a:ext cx="778770" cy="528956"/>
-              <a:chOff x="540" y="2920"/>
-              <a:chExt cx="770" cy="523"/>
-            </a:xfrm>
-          </p:grpSpPr>
-          <p:sp>
-            <p:nvSpPr>
-              <p:cNvPr id="10" name="Freeform 5"/>
-              <p:cNvSpPr>
-                <a:spLocks noEditPoints="1"/>
-              </p:cNvSpPr>
-              <p:nvPr/>
-            </p:nvSpPr>
-            <p:spPr bwMode="auto">
-              <a:xfrm>
-                <a:off x="540" y="2920"/>
-                <a:ext cx="770" cy="523"/>
-              </a:xfrm>
-              <a:custGeom>
-                <a:avLst/>
-                <a:gdLst>
-                  <a:gd name="T0" fmla="*/ 616 w 715"/>
-                  <a:gd name="T1" fmla="*/ 219 h 489"/>
-                  <a:gd name="T2" fmla="*/ 622 w 715"/>
-                  <a:gd name="T3" fmla="*/ 175 h 489"/>
-                  <a:gd name="T4" fmla="*/ 453 w 715"/>
-                  <a:gd name="T5" fmla="*/ 0 h 489"/>
-                  <a:gd name="T6" fmla="*/ 298 w 715"/>
-                  <a:gd name="T7" fmla="*/ 108 h 489"/>
-                  <a:gd name="T8" fmla="*/ 206 w 715"/>
-                  <a:gd name="T9" fmla="*/ 65 h 489"/>
-                  <a:gd name="T10" fmla="*/ 88 w 715"/>
-                  <a:gd name="T11" fmla="*/ 188 h 489"/>
-                  <a:gd name="T12" fmla="*/ 92 w 715"/>
-                  <a:gd name="T13" fmla="*/ 222 h 489"/>
-                  <a:gd name="T14" fmla="*/ 0 w 715"/>
-                  <a:gd name="T15" fmla="*/ 351 h 489"/>
-                  <a:gd name="T16" fmla="*/ 142 w 715"/>
-                  <a:gd name="T17" fmla="*/ 489 h 489"/>
-                  <a:gd name="T18" fmla="*/ 575 w 715"/>
-                  <a:gd name="T19" fmla="*/ 489 h 489"/>
-                  <a:gd name="T20" fmla="*/ 715 w 715"/>
-                  <a:gd name="T21" fmla="*/ 351 h 489"/>
-                  <a:gd name="T22" fmla="*/ 616 w 715"/>
-                  <a:gd name="T23" fmla="*/ 219 h 489"/>
-                  <a:gd name="T24" fmla="*/ 522 w 715"/>
-                  <a:gd name="T25" fmla="*/ 279 h 489"/>
-                  <a:gd name="T26" fmla="*/ 413 w 715"/>
-                  <a:gd name="T27" fmla="*/ 365 h 489"/>
-                  <a:gd name="T28" fmla="*/ 386 w 715"/>
-                  <a:gd name="T29" fmla="*/ 362 h 489"/>
-                  <a:gd name="T30" fmla="*/ 359 w 715"/>
-                  <a:gd name="T31" fmla="*/ 352 h 489"/>
-                  <a:gd name="T32" fmla="*/ 282 w 715"/>
-                  <a:gd name="T33" fmla="*/ 431 h 489"/>
-                  <a:gd name="T34" fmla="*/ 259 w 715"/>
-                  <a:gd name="T35" fmla="*/ 441 h 489"/>
-                  <a:gd name="T36" fmla="*/ 236 w 715"/>
-                  <a:gd name="T37" fmla="*/ 431 h 489"/>
-                  <a:gd name="T38" fmla="*/ 226 w 715"/>
-                  <a:gd name="T39" fmla="*/ 408 h 489"/>
-                  <a:gd name="T40" fmla="*/ 236 w 715"/>
-                  <a:gd name="T41" fmla="*/ 385 h 489"/>
-                  <a:gd name="T42" fmla="*/ 313 w 715"/>
-                  <a:gd name="T43" fmla="*/ 306 h 489"/>
-                  <a:gd name="T44" fmla="*/ 303 w 715"/>
-                  <a:gd name="T45" fmla="*/ 226 h 489"/>
-                  <a:gd name="T46" fmla="*/ 412 w 715"/>
-                  <a:gd name="T47" fmla="*/ 140 h 489"/>
-                  <a:gd name="T48" fmla="*/ 439 w 715"/>
-                  <a:gd name="T49" fmla="*/ 143 h 489"/>
-                  <a:gd name="T50" fmla="*/ 508 w 715"/>
-                  <a:gd name="T51" fmla="*/ 195 h 489"/>
-                  <a:gd name="T52" fmla="*/ 522 w 715"/>
-                  <a:gd name="T53" fmla="*/ 279 h 489"/>
-                </a:gdLst>
-                <a:ahLst/>
-                <a:cxnLst>
-                  <a:cxn ang="0">
-                    <a:pos x="T0" y="T1"/>
-                  </a:cxn>
-                  <a:cxn ang="0">
-                    <a:pos x="T2" y="T3"/>
-                  </a:cxn>
-                  <a:cxn ang="0">
-                    <a:pos x="T4" y="T5"/>
-                  </a:cxn>
-                  <a:cxn ang="0">
-                    <a:pos x="T6" y="T7"/>
-                  </a:cxn>
-                  <a:cxn ang="0">
-                    <a:pos x="T8" y="T9"/>
-                  </a:cxn>
-                  <a:cxn ang="0">
-                    <a:pos x="T10" y="T11"/>
-                  </a:cxn>
-                  <a:cxn ang="0">
-                    <a:pos x="T12" y="T13"/>
-                  </a:cxn>
-                  <a:cxn ang="0">
-                    <a:pos x="T14" y="T15"/>
-                  </a:cxn>
-                  <a:cxn ang="0">
-                    <a:pos x="T16" y="T17"/>
-                  </a:cxn>
-                  <a:cxn ang="0">
-                    <a:pos x="T18" y="T19"/>
-                  </a:cxn>
-                  <a:cxn ang="0">
-                    <a:pos x="T20" y="T21"/>
-                  </a:cxn>
-                  <a:cxn ang="0">
-                    <a:pos x="T22" y="T23"/>
-                  </a:cxn>
-                  <a:cxn ang="0">
-                    <a:pos x="T24" y="T25"/>
-                  </a:cxn>
-                  <a:cxn ang="0">
-                    <a:pos x="T26" y="T27"/>
-                  </a:cxn>
-                  <a:cxn ang="0">
-                    <a:pos x="T28" y="T29"/>
-                  </a:cxn>
-                  <a:cxn ang="0">
-                    <a:pos x="T30" y="T31"/>
-                  </a:cxn>
-                  <a:cxn ang="0">
-                    <a:pos x="T32" y="T33"/>
-                  </a:cxn>
-                  <a:cxn ang="0">
-                    <a:pos x="T34" y="T35"/>
-                  </a:cxn>
-                  <a:cxn ang="0">
-                    <a:pos x="T36" y="T37"/>
-                  </a:cxn>
-                  <a:cxn ang="0">
-                    <a:pos x="T38" y="T39"/>
-                  </a:cxn>
-                  <a:cxn ang="0">
-                    <a:pos x="T40" y="T41"/>
-                  </a:cxn>
-                  <a:cxn ang="0">
-                    <a:pos x="T42" y="T43"/>
-                  </a:cxn>
-                  <a:cxn ang="0">
-                    <a:pos x="T44" y="T45"/>
-                  </a:cxn>
-                  <a:cxn ang="0">
-                    <a:pos x="T46" y="T47"/>
-                  </a:cxn>
-                  <a:cxn ang="0">
-                    <a:pos x="T48" y="T49"/>
-                  </a:cxn>
-                  <a:cxn ang="0">
-                    <a:pos x="T50" y="T51"/>
-                  </a:cxn>
-                  <a:cxn ang="0">
-                    <a:pos x="T52" y="T53"/>
-                  </a:cxn>
-                </a:cxnLst>
-                <a:rect l="0" t="0" r="r" b="b"/>
-                <a:pathLst>
-                  <a:path w="715" h="489">
-                    <a:moveTo>
-                      <a:pt x="616" y="219"/>
-                    </a:moveTo>
-                    <a:cubicBezTo>
-                      <a:pt x="621" y="205"/>
-                      <a:pt x="622" y="191"/>
-                      <a:pt x="622" y="175"/>
-                    </a:cubicBezTo>
-                    <a:cubicBezTo>
-                      <a:pt x="622" y="79"/>
-                      <a:pt x="546" y="0"/>
-                      <a:pt x="453" y="0"/>
-                    </a:cubicBezTo>
-                    <a:cubicBezTo>
-                      <a:pt x="383" y="0"/>
-                      <a:pt x="323" y="45"/>
-                      <a:pt x="298" y="108"/>
-                    </a:cubicBezTo>
-                    <a:cubicBezTo>
-                      <a:pt x="276" y="80"/>
-                      <a:pt x="243" y="65"/>
-                      <a:pt x="206" y="65"/>
-                    </a:cubicBezTo>
-                    <a:cubicBezTo>
-                      <a:pt x="140" y="65"/>
-                      <a:pt x="88" y="120"/>
-                      <a:pt x="88" y="188"/>
-                    </a:cubicBezTo>
-                    <a:cubicBezTo>
-                      <a:pt x="88" y="199"/>
-                      <a:pt x="89" y="211"/>
-                      <a:pt x="92" y="222"/>
-                    </a:cubicBezTo>
-                    <a:cubicBezTo>
-                      <a:pt x="38" y="242"/>
-                      <a:pt x="0" y="289"/>
-                      <a:pt x="0" y="351"/>
-                    </a:cubicBezTo>
-                    <a:cubicBezTo>
-                      <a:pt x="0" y="431"/>
-                      <a:pt x="63" y="489"/>
-                      <a:pt x="142" y="489"/>
-                    </a:cubicBezTo>
-                    <a:lnTo>
-                      <a:pt x="575" y="489"/>
-                    </a:lnTo>
-                    <a:cubicBezTo>
-                      <a:pt x="653" y="489"/>
-                      <a:pt x="715" y="431"/>
-                      <a:pt x="715" y="351"/>
-                    </a:cubicBezTo>
-                    <a:cubicBezTo>
-                      <a:pt x="715" y="286"/>
-                      <a:pt x="673" y="238"/>
-                      <a:pt x="616" y="219"/>
-                    </a:cubicBezTo>
-                    <a:close/>
-                    <a:moveTo>
-                      <a:pt x="522" y="279"/>
-                    </a:moveTo>
-                    <a:cubicBezTo>
-                      <a:pt x="509" y="329"/>
-                      <a:pt x="465" y="365"/>
-                      <a:pt x="413" y="365"/>
-                    </a:cubicBezTo>
-                    <a:cubicBezTo>
-                      <a:pt x="405" y="365"/>
-                      <a:pt x="395" y="363"/>
-                      <a:pt x="386" y="362"/>
-                    </a:cubicBezTo>
-                    <a:cubicBezTo>
-                      <a:pt x="378" y="359"/>
-                      <a:pt x="368" y="356"/>
-                      <a:pt x="359" y="352"/>
-                    </a:cubicBezTo>
-                    <a:lnTo>
-                      <a:pt x="282" y="431"/>
-                    </a:lnTo>
-                    <a:cubicBezTo>
-                      <a:pt x="276" y="436"/>
-                      <a:pt x="268" y="441"/>
-                      <a:pt x="259" y="441"/>
-                    </a:cubicBezTo>
-                    <a:cubicBezTo>
-                      <a:pt x="251" y="441"/>
-                      <a:pt x="242" y="438"/>
-                      <a:pt x="236" y="431"/>
-                    </a:cubicBezTo>
-                    <a:cubicBezTo>
-                      <a:pt x="231" y="425"/>
-                      <a:pt x="226" y="416"/>
-                      <a:pt x="226" y="408"/>
-                    </a:cubicBezTo>
-                    <a:cubicBezTo>
-                      <a:pt x="226" y="399"/>
-                      <a:pt x="229" y="391"/>
-                      <a:pt x="236" y="385"/>
-                    </a:cubicBezTo>
-                    <a:lnTo>
-                      <a:pt x="313" y="306"/>
-                    </a:lnTo>
-                    <a:cubicBezTo>
-                      <a:pt x="301" y="282"/>
-                      <a:pt x="296" y="253"/>
-                      <a:pt x="303" y="226"/>
-                    </a:cubicBezTo>
-                    <a:cubicBezTo>
-                      <a:pt x="316" y="176"/>
-                      <a:pt x="361" y="140"/>
-                      <a:pt x="412" y="140"/>
-                    </a:cubicBezTo>
-                    <a:cubicBezTo>
-                      <a:pt x="421" y="140"/>
-                      <a:pt x="431" y="142"/>
-                      <a:pt x="439" y="143"/>
-                    </a:cubicBezTo>
-                    <a:cubicBezTo>
-                      <a:pt x="468" y="150"/>
-                      <a:pt x="493" y="169"/>
-                      <a:pt x="508" y="195"/>
-                    </a:cubicBezTo>
-                    <a:cubicBezTo>
-                      <a:pt x="525" y="221"/>
-                      <a:pt x="529" y="251"/>
-                      <a:pt x="522" y="279"/>
-                    </a:cubicBezTo>
-                    <a:close/>
-                  </a:path>
-                </a:pathLst>
-              </a:custGeom>
-              <a:solidFill>
-                <a:srgbClr val="0078D7"/>
-              </a:solidFill>
-              <a:ln w="0">
-                <a:noFill/>
-                <a:prstDash val="solid"/>
-                <a:round/>
-                <a:headEnd/>
-                <a:tailEnd/>
-              </a:ln>
-            </p:spPr>
-            <p:txBody>
-              <a:bodyPr vert="horz" wrap="square" lIns="91440" tIns="45720" rIns="91440" bIns="45720" numCol="1" anchor="t" anchorCtr="0" compatLnSpc="1">
-                <a:prstTxWarp prst="textNoShape">
-                  <a:avLst/>
-                </a:prstTxWarp>
-              </a:bodyPr>
-              <a:lstStyle/>
-              <a:p>
-                <a:endParaRPr lang="de-DE"/>
-              </a:p>
-            </p:txBody>
-          </p:sp>
-          <p:sp>
-            <p:nvSpPr>
-              <p:cNvPr id="11" name="Freeform 6"/>
-              <p:cNvSpPr>
-                <a:spLocks/>
-              </p:cNvSpPr>
-              <p:nvPr/>
-            </p:nvSpPr>
-            <p:spPr bwMode="auto">
-              <a:xfrm>
-                <a:off x="908" y="3116"/>
-                <a:ext cx="155" cy="148"/>
-              </a:xfrm>
-              <a:custGeom>
-                <a:avLst/>
-                <a:gdLst>
-                  <a:gd name="T0" fmla="*/ 89 w 144"/>
-                  <a:gd name="T1" fmla="*/ 2 h 139"/>
-                  <a:gd name="T2" fmla="*/ 71 w 144"/>
-                  <a:gd name="T3" fmla="*/ 0 h 139"/>
-                  <a:gd name="T4" fmla="*/ 4 w 144"/>
-                  <a:gd name="T5" fmla="*/ 53 h 139"/>
-                  <a:gd name="T6" fmla="*/ 14 w 144"/>
-                  <a:gd name="T7" fmla="*/ 109 h 139"/>
-                  <a:gd name="T8" fmla="*/ 33 w 144"/>
-                  <a:gd name="T9" fmla="*/ 128 h 139"/>
-                  <a:gd name="T10" fmla="*/ 56 w 144"/>
-                  <a:gd name="T11" fmla="*/ 138 h 139"/>
-                  <a:gd name="T12" fmla="*/ 73 w 144"/>
-                  <a:gd name="T13" fmla="*/ 139 h 139"/>
-                  <a:gd name="T14" fmla="*/ 140 w 144"/>
-                  <a:gd name="T15" fmla="*/ 86 h 139"/>
-                  <a:gd name="T16" fmla="*/ 131 w 144"/>
-                  <a:gd name="T17" fmla="*/ 33 h 139"/>
-                  <a:gd name="T18" fmla="*/ 89 w 144"/>
-                  <a:gd name="T19" fmla="*/ 2 h 139"/>
-                </a:gdLst>
-                <a:ahLst/>
-                <a:cxnLst>
-                  <a:cxn ang="0">
-                    <a:pos x="T0" y="T1"/>
-                  </a:cxn>
-                  <a:cxn ang="0">
-                    <a:pos x="T2" y="T3"/>
-                  </a:cxn>
-                  <a:cxn ang="0">
-                    <a:pos x="T4" y="T5"/>
-                  </a:cxn>
-                  <a:cxn ang="0">
-                    <a:pos x="T6" y="T7"/>
-                  </a:cxn>
-                  <a:cxn ang="0">
-                    <a:pos x="T8" y="T9"/>
-                  </a:cxn>
-                  <a:cxn ang="0">
-                    <a:pos x="T10" y="T11"/>
-                  </a:cxn>
-                  <a:cxn ang="0">
-                    <a:pos x="T12" y="T13"/>
-                  </a:cxn>
-                  <a:cxn ang="0">
-                    <a:pos x="T14" y="T15"/>
-                  </a:cxn>
-                  <a:cxn ang="0">
-                    <a:pos x="T16" y="T17"/>
-                  </a:cxn>
-                  <a:cxn ang="0">
-                    <a:pos x="T18" y="T19"/>
-                  </a:cxn>
-                </a:cxnLst>
-                <a:rect l="0" t="0" r="r" b="b"/>
-                <a:pathLst>
-                  <a:path w="144" h="139">
-                    <a:moveTo>
-                      <a:pt x="89" y="2"/>
-                    </a:moveTo>
-                    <a:cubicBezTo>
-                      <a:pt x="83" y="0"/>
-                      <a:pt x="77" y="0"/>
-                      <a:pt x="71" y="0"/>
-                    </a:cubicBezTo>
-                    <a:cubicBezTo>
-                      <a:pt x="40" y="0"/>
-                      <a:pt x="11" y="22"/>
-                      <a:pt x="4" y="53"/>
-                    </a:cubicBezTo>
-                    <a:cubicBezTo>
-                      <a:pt x="0" y="72"/>
-                      <a:pt x="3" y="93"/>
-                      <a:pt x="14" y="109"/>
-                    </a:cubicBezTo>
-                    <a:cubicBezTo>
-                      <a:pt x="19" y="116"/>
-                      <a:pt x="26" y="122"/>
-                      <a:pt x="33" y="128"/>
-                    </a:cubicBezTo>
-                    <a:cubicBezTo>
-                      <a:pt x="40" y="132"/>
-                      <a:pt x="47" y="136"/>
-                      <a:pt x="56" y="138"/>
-                    </a:cubicBezTo>
-                    <a:cubicBezTo>
-                      <a:pt x="61" y="139"/>
-                      <a:pt x="67" y="139"/>
-                      <a:pt x="73" y="139"/>
-                    </a:cubicBezTo>
-                    <a:cubicBezTo>
-                      <a:pt x="104" y="139"/>
-                      <a:pt x="133" y="118"/>
-                      <a:pt x="140" y="86"/>
-                    </a:cubicBezTo>
-                    <a:cubicBezTo>
-                      <a:pt x="144" y="68"/>
-                      <a:pt x="141" y="49"/>
-                      <a:pt x="131" y="33"/>
-                    </a:cubicBezTo>
-                    <a:cubicBezTo>
-                      <a:pt x="121" y="18"/>
-                      <a:pt x="106" y="6"/>
-                      <a:pt x="89" y="2"/>
-                    </a:cubicBezTo>
-                  </a:path>
-                </a:pathLst>
-              </a:custGeom>
-              <a:solidFill>
-                <a:srgbClr val="0078D7"/>
-              </a:solidFill>
-              <a:ln w="0">
-                <a:noFill/>
-                <a:prstDash val="solid"/>
-                <a:round/>
-                <a:headEnd/>
-                <a:tailEnd/>
-              </a:ln>
-            </p:spPr>
-            <p:txBody>
-              <a:bodyPr vert="horz" wrap="square" lIns="91440" tIns="45720" rIns="91440" bIns="45720" numCol="1" anchor="t" anchorCtr="0" compatLnSpc="1">
-                <a:prstTxWarp prst="textNoShape">
-                  <a:avLst/>
-                </a:prstTxWarp>
-              </a:bodyPr>
-              <a:lstStyle/>
-              <a:p>
-                <a:endParaRPr lang="de-DE"/>
-              </a:p>
-            </p:txBody>
-          </p:sp>
-        </p:grpSp>
-      </p:grpSp>
-      <p:cxnSp>
-        <p:nvCxnSpPr>
-          <p:cNvPr id="20" name="Elbow Connector 19"/>
-          <p:cNvCxnSpPr>
-            <a:stCxn id="117" idx="3"/>
-            <a:endCxn id="84" idx="0"/>
-          </p:cNvCxnSpPr>
-          <p:nvPr/>
-        </p:nvCxnSpPr>
-        <p:spPr>
-          <a:xfrm>
-            <a:off x="8414197" y="4068814"/>
-            <a:ext cx="1754754" cy="1096511"/>
-          </a:xfrm>
-          <a:prstGeom prst="bentConnector2">
-            <a:avLst/>
-          </a:prstGeom>
-          <a:ln w="19050">
-            <a:tailEnd type="triangle"/>
-          </a:ln>
-        </p:spPr>
-        <p:style>
-          <a:lnRef idx="3">
-            <a:schemeClr val="dk1"/>
-          </a:lnRef>
-          <a:fillRef idx="0">
-            <a:schemeClr val="dk1"/>
-          </a:fillRef>
-          <a:effectRef idx="2">
-            <a:schemeClr val="dk1"/>
-          </a:effectRef>
-          <a:fontRef idx="minor">
-            <a:schemeClr val="tx1"/>
-          </a:fontRef>
-        </p:style>
-      </p:cxnSp>
-      <p:sp>
-        <p:nvSpPr>
-          <p:cNvPr id="102" name="Rectangular Callout 101"/>
-          <p:cNvSpPr/>
-          <p:nvPr/>
-        </p:nvSpPr>
-        <p:spPr>
-          <a:xfrm>
-            <a:off x="10828246" y="4401840"/>
-            <a:ext cx="903499" cy="370010"/>
-          </a:xfrm>
-          <a:prstGeom prst="wedgeRectCallout">
-            <a:avLst>
-              <a:gd name="adj1" fmla="val -79314"/>
-              <a:gd name="adj2" fmla="val 129990"/>
-            </a:avLst>
-          </a:prstGeom>
-        </p:spPr>
-        <p:style>
-          <a:lnRef idx="2">
-            <a:schemeClr val="dk1"/>
-          </a:lnRef>
-          <a:fillRef idx="1">
-            <a:schemeClr val="lt1"/>
-          </a:fillRef>
-          <a:effectRef idx="0">
-            <a:schemeClr val="dk1"/>
-          </a:effectRef>
-          <a:fontRef idx="minor">
-            <a:schemeClr val="dk1"/>
-          </a:fontRef>
-        </p:style>
-        <p:txBody>
-          <a:bodyPr rtlCol="0" anchor="ctr"/>
-          <a:lstStyle/>
-          <a:p>
-            <a:pPr algn="ctr"/>
-            <a:r>
-              <a:rPr lang="en-US" sz="1050" dirty="0"/>
-              <a:t>On-</a:t>
-            </a:r>
-            <a:r>
-              <a:rPr lang="en-US" sz="1050" dirty="0" err="1"/>
-              <a:t>Prem</a:t>
-            </a:r>
-            <a:r>
-              <a:rPr lang="en-US" sz="1050" dirty="0"/>
-              <a:t> or Azure ES</a:t>
-            </a:r>
-            <a:endParaRPr lang="de-DE" sz="1050" dirty="0"/>
-          </a:p>
-        </p:txBody>
-      </p:sp>
       <p:sp>
         <p:nvSpPr>
           <p:cNvPr id="24" name="Title 23"/>
@@ -9873,6 +9248,798 @@
               <a:t>CameraID</a:t>
             </a:r>
             <a:endParaRPr lang="en-US" sz="1100" dirty="0"/>
+          </a:p>
+        </p:txBody>
+      </p:sp>
+      <p:sp>
+        <p:nvSpPr>
+          <p:cNvPr id="5" name="Rectangle 4"/>
+          <p:cNvSpPr/>
+          <p:nvPr/>
+        </p:nvSpPr>
+        <p:spPr>
+          <a:xfrm>
+            <a:off x="6261165" y="4355755"/>
+            <a:ext cx="864254" cy="441601"/>
+          </a:xfrm>
+          <a:prstGeom prst="rect">
+            <a:avLst/>
+          </a:prstGeom>
+        </p:spPr>
+        <p:style>
+          <a:lnRef idx="2">
+            <a:schemeClr val="dk1"/>
+          </a:lnRef>
+          <a:fillRef idx="1">
+            <a:schemeClr val="lt1"/>
+          </a:fillRef>
+          <a:effectRef idx="0">
+            <a:schemeClr val="dk1"/>
+          </a:effectRef>
+          <a:fontRef idx="minor">
+            <a:schemeClr val="dk1"/>
+          </a:fontRef>
+        </p:style>
+        <p:txBody>
+          <a:bodyPr rtlCol="0" anchor="ctr"/>
+          <a:lstStyle/>
+          <a:p>
+            <a:pPr algn="ctr"/>
+            <a:r>
+              <a:rPr lang="en-US" sz="1200" dirty="0"/>
+              <a:t>Event Hub Readers</a:t>
+            </a:r>
+            <a:endParaRPr lang="de-DE" sz="1200" dirty="0"/>
+          </a:p>
+        </p:txBody>
+      </p:sp>
+      <p:sp>
+        <p:nvSpPr>
+          <p:cNvPr id="58" name="Rectangle 57"/>
+          <p:cNvSpPr/>
+          <p:nvPr/>
+        </p:nvSpPr>
+        <p:spPr>
+          <a:xfrm>
+            <a:off x="6261165" y="4939524"/>
+            <a:ext cx="864254" cy="441601"/>
+          </a:xfrm>
+          <a:prstGeom prst="rect">
+            <a:avLst/>
+          </a:prstGeom>
+        </p:spPr>
+        <p:style>
+          <a:lnRef idx="2">
+            <a:schemeClr val="dk1"/>
+          </a:lnRef>
+          <a:fillRef idx="1">
+            <a:schemeClr val="lt1"/>
+          </a:fillRef>
+          <a:effectRef idx="0">
+            <a:schemeClr val="dk1"/>
+          </a:effectRef>
+          <a:fontRef idx="minor">
+            <a:schemeClr val="dk1"/>
+          </a:fontRef>
+        </p:style>
+        <p:txBody>
+          <a:bodyPr rtlCol="0" anchor="ctr"/>
+          <a:lstStyle/>
+          <a:p>
+            <a:pPr algn="ctr"/>
+            <a:r>
+              <a:rPr lang="en-US" sz="1200" dirty="0"/>
+              <a:t>Event Hub Readers</a:t>
+            </a:r>
+            <a:endParaRPr lang="de-DE" sz="1200" dirty="0"/>
+          </a:p>
+        </p:txBody>
+      </p:sp>
+      <p:sp>
+        <p:nvSpPr>
+          <p:cNvPr id="59" name="Rectangle 58"/>
+          <p:cNvSpPr/>
+          <p:nvPr/>
+        </p:nvSpPr>
+        <p:spPr>
+          <a:xfrm>
+            <a:off x="6265613" y="5489200"/>
+            <a:ext cx="864254" cy="441601"/>
+          </a:xfrm>
+          <a:prstGeom prst="rect">
+            <a:avLst/>
+          </a:prstGeom>
+        </p:spPr>
+        <p:style>
+          <a:lnRef idx="2">
+            <a:schemeClr val="dk1"/>
+          </a:lnRef>
+          <a:fillRef idx="1">
+            <a:schemeClr val="lt1"/>
+          </a:fillRef>
+          <a:effectRef idx="0">
+            <a:schemeClr val="dk1"/>
+          </a:effectRef>
+          <a:fontRef idx="minor">
+            <a:schemeClr val="dk1"/>
+          </a:fontRef>
+        </p:style>
+        <p:txBody>
+          <a:bodyPr rtlCol="0" anchor="ctr"/>
+          <a:lstStyle/>
+          <a:p>
+            <a:pPr algn="ctr"/>
+            <a:r>
+              <a:rPr lang="en-US" sz="1200" dirty="0"/>
+              <a:t>Event Hub Readers</a:t>
+            </a:r>
+            <a:endParaRPr lang="de-DE" sz="1200" dirty="0"/>
+          </a:p>
+        </p:txBody>
+      </p:sp>
+      <p:sp>
+        <p:nvSpPr>
+          <p:cNvPr id="6" name="Oval 5"/>
+          <p:cNvSpPr/>
+          <p:nvPr/>
+        </p:nvSpPr>
+        <p:spPr>
+          <a:xfrm>
+            <a:off x="7468754" y="4031267"/>
+            <a:ext cx="239970" cy="239970"/>
+          </a:xfrm>
+          <a:prstGeom prst="ellipse">
+            <a:avLst/>
+          </a:prstGeom>
+          <a:solidFill>
+            <a:srgbClr val="FF0000"/>
+          </a:solidFill>
+          <a:ln>
+            <a:noFill/>
+          </a:ln>
+        </p:spPr>
+        <p:style>
+          <a:lnRef idx="2">
+            <a:schemeClr val="accent1">
+              <a:shade val="50000"/>
+            </a:schemeClr>
+          </a:lnRef>
+          <a:fillRef idx="1">
+            <a:schemeClr val="accent1"/>
+          </a:fillRef>
+          <a:effectRef idx="0">
+            <a:schemeClr val="accent1"/>
+          </a:effectRef>
+          <a:fontRef idx="minor">
+            <a:schemeClr val="lt1"/>
+          </a:fontRef>
+        </p:style>
+        <p:txBody>
+          <a:bodyPr rtlCol="0" anchor="ctr"/>
+          <a:lstStyle/>
+          <a:p>
+            <a:pPr algn="ctr"/>
+            <a:endParaRPr lang="de-DE"/>
+          </a:p>
+        </p:txBody>
+      </p:sp>
+      <p:sp>
+        <p:nvSpPr>
+          <p:cNvPr id="61" name="Oval 60"/>
+          <p:cNvSpPr/>
+          <p:nvPr/>
+        </p:nvSpPr>
+        <p:spPr>
+          <a:xfrm>
+            <a:off x="7571334" y="4605568"/>
+            <a:ext cx="239970" cy="239970"/>
+          </a:xfrm>
+          <a:prstGeom prst="ellipse">
+            <a:avLst/>
+          </a:prstGeom>
+          <a:solidFill>
+            <a:srgbClr val="FF0000"/>
+          </a:solidFill>
+          <a:ln>
+            <a:noFill/>
+          </a:ln>
+        </p:spPr>
+        <p:style>
+          <a:lnRef idx="2">
+            <a:schemeClr val="accent1">
+              <a:shade val="50000"/>
+            </a:schemeClr>
+          </a:lnRef>
+          <a:fillRef idx="1">
+            <a:schemeClr val="accent1"/>
+          </a:fillRef>
+          <a:effectRef idx="0">
+            <a:schemeClr val="accent1"/>
+          </a:effectRef>
+          <a:fontRef idx="minor">
+            <a:schemeClr val="lt1"/>
+          </a:fontRef>
+        </p:style>
+        <p:txBody>
+          <a:bodyPr rtlCol="0" anchor="ctr"/>
+          <a:lstStyle/>
+          <a:p>
+            <a:pPr algn="ctr"/>
+            <a:endParaRPr lang="de-DE"/>
+          </a:p>
+        </p:txBody>
+      </p:sp>
+      <p:sp>
+        <p:nvSpPr>
+          <p:cNvPr id="62" name="Oval 61"/>
+          <p:cNvSpPr/>
+          <p:nvPr/>
+        </p:nvSpPr>
+        <p:spPr>
+          <a:xfrm>
+            <a:off x="7811304" y="4296301"/>
+            <a:ext cx="239970" cy="239970"/>
+          </a:xfrm>
+          <a:prstGeom prst="ellipse">
+            <a:avLst/>
+          </a:prstGeom>
+          <a:solidFill>
+            <a:srgbClr val="FF0000"/>
+          </a:solidFill>
+          <a:ln>
+            <a:noFill/>
+          </a:ln>
+        </p:spPr>
+        <p:style>
+          <a:lnRef idx="2">
+            <a:schemeClr val="accent1">
+              <a:shade val="50000"/>
+            </a:schemeClr>
+          </a:lnRef>
+          <a:fillRef idx="1">
+            <a:schemeClr val="accent1"/>
+          </a:fillRef>
+          <a:effectRef idx="0">
+            <a:schemeClr val="accent1"/>
+          </a:effectRef>
+          <a:fontRef idx="minor">
+            <a:schemeClr val="lt1"/>
+          </a:fontRef>
+        </p:style>
+        <p:txBody>
+          <a:bodyPr rtlCol="0" anchor="ctr"/>
+          <a:lstStyle/>
+          <a:p>
+            <a:pPr algn="ctr"/>
+            <a:endParaRPr lang="de-DE"/>
+          </a:p>
+        </p:txBody>
+      </p:sp>
+      <p:sp>
+        <p:nvSpPr>
+          <p:cNvPr id="63" name="Oval 62"/>
+          <p:cNvSpPr/>
+          <p:nvPr/>
+        </p:nvSpPr>
+        <p:spPr>
+          <a:xfrm>
+            <a:off x="8036290" y="4946469"/>
+            <a:ext cx="239970" cy="239970"/>
+          </a:xfrm>
+          <a:prstGeom prst="ellipse">
+            <a:avLst/>
+          </a:prstGeom>
+          <a:solidFill>
+            <a:srgbClr val="FF0000"/>
+          </a:solidFill>
+          <a:ln>
+            <a:noFill/>
+          </a:ln>
+        </p:spPr>
+        <p:style>
+          <a:lnRef idx="2">
+            <a:schemeClr val="accent1">
+              <a:shade val="50000"/>
+            </a:schemeClr>
+          </a:lnRef>
+          <a:fillRef idx="1">
+            <a:schemeClr val="accent1"/>
+          </a:fillRef>
+          <a:effectRef idx="0">
+            <a:schemeClr val="accent1"/>
+          </a:effectRef>
+          <a:fontRef idx="minor">
+            <a:schemeClr val="lt1"/>
+          </a:fontRef>
+        </p:style>
+        <p:txBody>
+          <a:bodyPr rtlCol="0" anchor="ctr"/>
+          <a:lstStyle/>
+          <a:p>
+            <a:pPr algn="ctr"/>
+            <a:endParaRPr lang="de-DE"/>
+          </a:p>
+        </p:txBody>
+      </p:sp>
+      <p:sp>
+        <p:nvSpPr>
+          <p:cNvPr id="64" name="Oval 63"/>
+          <p:cNvSpPr/>
+          <p:nvPr/>
+        </p:nvSpPr>
+        <p:spPr>
+          <a:xfrm>
+            <a:off x="7382268" y="5122352"/>
+            <a:ext cx="239970" cy="239970"/>
+          </a:xfrm>
+          <a:prstGeom prst="ellipse">
+            <a:avLst/>
+          </a:prstGeom>
+          <a:solidFill>
+            <a:srgbClr val="FF0000"/>
+          </a:solidFill>
+          <a:ln>
+            <a:noFill/>
+          </a:ln>
+        </p:spPr>
+        <p:style>
+          <a:lnRef idx="2">
+            <a:schemeClr val="accent1">
+              <a:shade val="50000"/>
+            </a:schemeClr>
+          </a:lnRef>
+          <a:fillRef idx="1">
+            <a:schemeClr val="accent1"/>
+          </a:fillRef>
+          <a:effectRef idx="0">
+            <a:schemeClr val="accent1"/>
+          </a:effectRef>
+          <a:fontRef idx="minor">
+            <a:schemeClr val="lt1"/>
+          </a:fontRef>
+        </p:style>
+        <p:txBody>
+          <a:bodyPr rtlCol="0" anchor="ctr"/>
+          <a:lstStyle/>
+          <a:p>
+            <a:pPr algn="ctr"/>
+            <a:endParaRPr lang="de-DE"/>
+          </a:p>
+        </p:txBody>
+      </p:sp>
+      <p:sp>
+        <p:nvSpPr>
+          <p:cNvPr id="65" name="Oval 64"/>
+          <p:cNvSpPr/>
+          <p:nvPr/>
+        </p:nvSpPr>
+        <p:spPr>
+          <a:xfrm>
+            <a:off x="7777684" y="5340067"/>
+            <a:ext cx="239970" cy="239970"/>
+          </a:xfrm>
+          <a:prstGeom prst="ellipse">
+            <a:avLst/>
+          </a:prstGeom>
+          <a:solidFill>
+            <a:srgbClr val="FF0000"/>
+          </a:solidFill>
+          <a:ln>
+            <a:noFill/>
+          </a:ln>
+        </p:spPr>
+        <p:style>
+          <a:lnRef idx="2">
+            <a:schemeClr val="accent1">
+              <a:shade val="50000"/>
+            </a:schemeClr>
+          </a:lnRef>
+          <a:fillRef idx="1">
+            <a:schemeClr val="accent1"/>
+          </a:fillRef>
+          <a:effectRef idx="0">
+            <a:schemeClr val="accent1"/>
+          </a:effectRef>
+          <a:fontRef idx="minor">
+            <a:schemeClr val="lt1"/>
+          </a:fontRef>
+        </p:style>
+        <p:txBody>
+          <a:bodyPr rtlCol="0" anchor="ctr"/>
+          <a:lstStyle/>
+          <a:p>
+            <a:pPr algn="ctr"/>
+            <a:endParaRPr lang="de-DE"/>
+          </a:p>
+        </p:txBody>
+      </p:sp>
+      <p:sp>
+        <p:nvSpPr>
+          <p:cNvPr id="7" name="Isosceles Triangle 6"/>
+          <p:cNvSpPr/>
+          <p:nvPr/>
+        </p:nvSpPr>
+        <p:spPr>
+          <a:xfrm>
+            <a:off x="8391797" y="3873194"/>
+            <a:ext cx="507791" cy="437751"/>
+          </a:xfrm>
+          <a:prstGeom prst="triangle">
+            <a:avLst/>
+          </a:prstGeom>
+          <a:solidFill>
+            <a:srgbClr val="FFFF00"/>
+          </a:solidFill>
+          <a:ln>
+            <a:noFill/>
+          </a:ln>
+        </p:spPr>
+        <p:style>
+          <a:lnRef idx="2">
+            <a:schemeClr val="accent1">
+              <a:shade val="50000"/>
+            </a:schemeClr>
+          </a:lnRef>
+          <a:fillRef idx="1">
+            <a:schemeClr val="accent1"/>
+          </a:fillRef>
+          <a:effectRef idx="0">
+            <a:schemeClr val="accent1"/>
+          </a:effectRef>
+          <a:fontRef idx="minor">
+            <a:schemeClr val="lt1"/>
+          </a:fontRef>
+        </p:style>
+        <p:txBody>
+          <a:bodyPr rtlCol="0" anchor="ctr"/>
+          <a:lstStyle/>
+          <a:p>
+            <a:pPr algn="ctr"/>
+            <a:endParaRPr lang="de-DE"/>
+          </a:p>
+        </p:txBody>
+      </p:sp>
+      <p:cxnSp>
+        <p:nvCxnSpPr>
+          <p:cNvPr id="12" name="Straight Arrow Connector 11"/>
+          <p:cNvCxnSpPr>
+            <a:stCxn id="5" idx="3"/>
+            <a:endCxn id="6" idx="2"/>
+          </p:cNvCxnSpPr>
+          <p:nvPr/>
+        </p:nvCxnSpPr>
+        <p:spPr>
+          <a:xfrm flipV="1">
+            <a:off x="7125419" y="4151252"/>
+            <a:ext cx="343335" cy="425304"/>
+          </a:xfrm>
+          <a:prstGeom prst="straightConnector1">
+            <a:avLst/>
+          </a:prstGeom>
+          <a:ln>
+            <a:tailEnd type="triangle"/>
+          </a:ln>
+        </p:spPr>
+        <p:style>
+          <a:lnRef idx="1">
+            <a:schemeClr val="dk1"/>
+          </a:lnRef>
+          <a:fillRef idx="0">
+            <a:schemeClr val="dk1"/>
+          </a:fillRef>
+          <a:effectRef idx="0">
+            <a:schemeClr val="dk1"/>
+          </a:effectRef>
+          <a:fontRef idx="minor">
+            <a:schemeClr val="tx1"/>
+          </a:fontRef>
+        </p:style>
+      </p:cxnSp>
+      <p:cxnSp>
+        <p:nvCxnSpPr>
+          <p:cNvPr id="82" name="Straight Arrow Connector 81"/>
+          <p:cNvCxnSpPr>
+            <a:stCxn id="59" idx="3"/>
+            <a:endCxn id="64" idx="3"/>
+          </p:cNvCxnSpPr>
+          <p:nvPr/>
+        </p:nvCxnSpPr>
+        <p:spPr>
+          <a:xfrm flipV="1">
+            <a:off x="7129867" y="5327179"/>
+            <a:ext cx="287544" cy="382822"/>
+          </a:xfrm>
+          <a:prstGeom prst="straightConnector1">
+            <a:avLst/>
+          </a:prstGeom>
+          <a:ln>
+            <a:tailEnd type="triangle"/>
+          </a:ln>
+        </p:spPr>
+        <p:style>
+          <a:lnRef idx="1">
+            <a:schemeClr val="dk1"/>
+          </a:lnRef>
+          <a:fillRef idx="0">
+            <a:schemeClr val="dk1"/>
+          </a:fillRef>
+          <a:effectRef idx="0">
+            <a:schemeClr val="dk1"/>
+          </a:effectRef>
+          <a:fontRef idx="minor">
+            <a:schemeClr val="tx1"/>
+          </a:fontRef>
+        </p:style>
+      </p:cxnSp>
+      <p:cxnSp>
+        <p:nvCxnSpPr>
+          <p:cNvPr id="83" name="Straight Arrow Connector 82"/>
+          <p:cNvCxnSpPr>
+            <a:stCxn id="59" idx="3"/>
+            <a:endCxn id="65" idx="2"/>
+          </p:cNvCxnSpPr>
+          <p:nvPr/>
+        </p:nvCxnSpPr>
+        <p:spPr>
+          <a:xfrm flipV="1">
+            <a:off x="7129867" y="5460052"/>
+            <a:ext cx="647817" cy="249949"/>
+          </a:xfrm>
+          <a:prstGeom prst="straightConnector1">
+            <a:avLst/>
+          </a:prstGeom>
+          <a:ln>
+            <a:tailEnd type="triangle"/>
+          </a:ln>
+        </p:spPr>
+        <p:style>
+          <a:lnRef idx="1">
+            <a:schemeClr val="dk1"/>
+          </a:lnRef>
+          <a:fillRef idx="0">
+            <a:schemeClr val="dk1"/>
+          </a:fillRef>
+          <a:effectRef idx="0">
+            <a:schemeClr val="dk1"/>
+          </a:effectRef>
+          <a:fontRef idx="minor">
+            <a:schemeClr val="tx1"/>
+          </a:fontRef>
+        </p:style>
+      </p:cxnSp>
+      <p:cxnSp>
+        <p:nvCxnSpPr>
+          <p:cNvPr id="85" name="Straight Arrow Connector 84"/>
+          <p:cNvCxnSpPr>
+            <a:stCxn id="6" idx="6"/>
+            <a:endCxn id="7" idx="1"/>
+          </p:cNvCxnSpPr>
+          <p:nvPr/>
+        </p:nvCxnSpPr>
+        <p:spPr>
+          <a:xfrm flipV="1">
+            <a:off x="7708724" y="4092070"/>
+            <a:ext cx="810021" cy="59182"/>
+          </a:xfrm>
+          <a:prstGeom prst="straightConnector1">
+            <a:avLst/>
+          </a:prstGeom>
+          <a:ln>
+            <a:tailEnd type="triangle"/>
+          </a:ln>
+        </p:spPr>
+        <p:style>
+          <a:lnRef idx="1">
+            <a:schemeClr val="dk1"/>
+          </a:lnRef>
+          <a:fillRef idx="0">
+            <a:schemeClr val="dk1"/>
+          </a:fillRef>
+          <a:effectRef idx="0">
+            <a:schemeClr val="dk1"/>
+          </a:effectRef>
+          <a:fontRef idx="minor">
+            <a:schemeClr val="tx1"/>
+          </a:fontRef>
+        </p:style>
+      </p:cxnSp>
+      <p:cxnSp>
+        <p:nvCxnSpPr>
+          <p:cNvPr id="86" name="Straight Arrow Connector 85"/>
+          <p:cNvCxnSpPr>
+            <a:stCxn id="63" idx="7"/>
+            <a:endCxn id="7" idx="3"/>
+          </p:cNvCxnSpPr>
+          <p:nvPr/>
+        </p:nvCxnSpPr>
+        <p:spPr>
+          <a:xfrm flipV="1">
+            <a:off x="8241117" y="4310945"/>
+            <a:ext cx="404576" cy="670667"/>
+          </a:xfrm>
+          <a:prstGeom prst="straightConnector1">
+            <a:avLst/>
+          </a:prstGeom>
+          <a:ln>
+            <a:tailEnd type="triangle"/>
+          </a:ln>
+        </p:spPr>
+        <p:style>
+          <a:lnRef idx="1">
+            <a:schemeClr val="dk1"/>
+          </a:lnRef>
+          <a:fillRef idx="0">
+            <a:schemeClr val="dk1"/>
+          </a:fillRef>
+          <a:effectRef idx="0">
+            <a:schemeClr val="dk1"/>
+          </a:effectRef>
+          <a:fontRef idx="minor">
+            <a:schemeClr val="tx1"/>
+          </a:fontRef>
+        </p:style>
+      </p:cxnSp>
+      <p:sp>
+        <p:nvSpPr>
+          <p:cNvPr id="66" name="Oval 65"/>
+          <p:cNvSpPr/>
+          <p:nvPr/>
+        </p:nvSpPr>
+        <p:spPr>
+          <a:xfrm>
+            <a:off x="8726524" y="1751910"/>
+            <a:ext cx="239970" cy="239970"/>
+          </a:xfrm>
+          <a:prstGeom prst="ellipse">
+            <a:avLst/>
+          </a:prstGeom>
+          <a:solidFill>
+            <a:srgbClr val="FF0000"/>
+          </a:solidFill>
+          <a:ln>
+            <a:noFill/>
+          </a:ln>
+        </p:spPr>
+        <p:style>
+          <a:lnRef idx="2">
+            <a:schemeClr val="accent1">
+              <a:shade val="50000"/>
+            </a:schemeClr>
+          </a:lnRef>
+          <a:fillRef idx="1">
+            <a:schemeClr val="accent1"/>
+          </a:fillRef>
+          <a:effectRef idx="0">
+            <a:schemeClr val="accent1"/>
+          </a:effectRef>
+          <a:fontRef idx="minor">
+            <a:schemeClr val="lt1"/>
+          </a:fontRef>
+        </p:style>
+        <p:txBody>
+          <a:bodyPr rtlCol="0" anchor="ctr"/>
+          <a:lstStyle/>
+          <a:p>
+            <a:pPr algn="ctr"/>
+            <a:endParaRPr lang="de-DE"/>
+          </a:p>
+        </p:txBody>
+      </p:sp>
+      <p:sp>
+        <p:nvSpPr>
+          <p:cNvPr id="2" name="TextBox 1"/>
+          <p:cNvSpPr txBox="1"/>
+          <p:nvPr/>
+        </p:nvSpPr>
+        <p:spPr>
+          <a:xfrm>
+            <a:off x="9050762" y="1633350"/>
+            <a:ext cx="2067555" cy="430887"/>
+          </a:xfrm>
+          <a:prstGeom prst="rect">
+            <a:avLst/>
+          </a:prstGeom>
+          <a:noFill/>
+        </p:spPr>
+        <p:txBody>
+          <a:bodyPr wrap="square" rtlCol="0">
+            <a:spAutoFit/>
+          </a:bodyPr>
+          <a:lstStyle/>
+          <a:p>
+            <a:r>
+              <a:rPr lang="en-US" sz="1100" dirty="0" err="1"/>
+              <a:t>Stateful</a:t>
+            </a:r>
+            <a:r>
+              <a:rPr lang="en-US" sz="1100" dirty="0"/>
+              <a:t> Actor (per car, created by a start </a:t>
+            </a:r>
+            <a:r>
+              <a:rPr lang="en-US" sz="1100" dirty="0" err="1"/>
+              <a:t>msg</a:t>
+            </a:r>
+            <a:r>
+              <a:rPr lang="en-US" sz="1100" dirty="0"/>
+              <a:t>)</a:t>
+            </a:r>
+            <a:endParaRPr lang="de-DE" sz="1100" dirty="0"/>
+          </a:p>
+        </p:txBody>
+      </p:sp>
+      <p:sp>
+        <p:nvSpPr>
+          <p:cNvPr id="67" name="Isosceles Triangle 66"/>
+          <p:cNvSpPr/>
+          <p:nvPr/>
+        </p:nvSpPr>
+        <p:spPr>
+          <a:xfrm>
+            <a:off x="8562561" y="2217753"/>
+            <a:ext cx="507791" cy="437751"/>
+          </a:xfrm>
+          <a:prstGeom prst="triangle">
+            <a:avLst/>
+          </a:prstGeom>
+          <a:solidFill>
+            <a:srgbClr val="FFFF00"/>
+          </a:solidFill>
+          <a:ln>
+            <a:noFill/>
+          </a:ln>
+        </p:spPr>
+        <p:style>
+          <a:lnRef idx="2">
+            <a:schemeClr val="accent1">
+              <a:shade val="50000"/>
+            </a:schemeClr>
+          </a:lnRef>
+          <a:fillRef idx="1">
+            <a:schemeClr val="accent1"/>
+          </a:fillRef>
+          <a:effectRef idx="0">
+            <a:schemeClr val="accent1"/>
+          </a:effectRef>
+          <a:fontRef idx="minor">
+            <a:schemeClr val="lt1"/>
+          </a:fontRef>
+        </p:style>
+        <p:txBody>
+          <a:bodyPr rtlCol="0" anchor="ctr"/>
+          <a:lstStyle/>
+          <a:p>
+            <a:pPr algn="ctr"/>
+            <a:endParaRPr lang="de-DE"/>
+          </a:p>
+        </p:txBody>
+      </p:sp>
+      <p:sp>
+        <p:nvSpPr>
+          <p:cNvPr id="84" name="TextBox 83"/>
+          <p:cNvSpPr txBox="1"/>
+          <p:nvPr/>
+        </p:nvSpPr>
+        <p:spPr>
+          <a:xfrm>
+            <a:off x="9070352" y="2240248"/>
+            <a:ext cx="2067555" cy="430887"/>
+          </a:xfrm>
+          <a:prstGeom prst="rect">
+            <a:avLst/>
+          </a:prstGeom>
+          <a:noFill/>
+        </p:spPr>
+        <p:txBody>
+          <a:bodyPr wrap="square" rtlCol="0">
+            <a:spAutoFit/>
+          </a:bodyPr>
+          <a:lstStyle/>
+          <a:p>
+            <a:r>
+              <a:rPr lang="en-US" sz="1100" dirty="0"/>
+              <a:t>Stateless actor for batching event writes to backend</a:t>
+            </a:r>
+            <a:endParaRPr lang="de-DE" sz="1100" dirty="0"/>
           </a:p>
         </p:txBody>
       </p:sp>
